--- a/Classic_ml/reports/Apresentação segmentação lógica.pptx
+++ b/Classic_ml/reports/Apresentação segmentação lógica.pptx
@@ -9,6 +9,8 @@
     <p:sldId id="257" r:id="rId4"/>
     <p:sldId id="258" r:id="rId5"/>
     <p:sldId id="259" r:id="rId6"/>
+    <p:sldId id="260" r:id="rId7"/>
+    <p:sldId id="261" r:id="rId8"/>
   </p:sldIdLst>
   <p:sldSz cx="10080625" cy="5670550"/>
   <p:notesSz cx="7559675" cy="10691812"/>
@@ -1446,7 +1448,7 @@
         </p:spPr>
         <p:txBody>
           <a:bodyPr lIns="0" rIns="0" tIns="0" bIns="0">
-            <a:normAutofit/>
+            <a:normAutofit fontScale="94000"/>
           </a:bodyPr>
           <a:p>
             <a:pPr marL="432000" indent="-324000">
@@ -1650,7 +1652,7 @@
         <p:spPr>
           <a:xfrm>
             <a:off x="360000" y="180000"/>
-            <a:ext cx="9358920" cy="345240"/>
+            <a:ext cx="9358200" cy="344520"/>
           </a:xfrm>
           <a:prstGeom prst="rect">
             <a:avLst/>
@@ -1701,7 +1703,7 @@
         <p:spPr>
           <a:xfrm>
             <a:off x="540000" y="416520"/>
-            <a:ext cx="8998920" cy="4694400"/>
+            <a:ext cx="8998200" cy="4693680"/>
           </a:xfrm>
           <a:prstGeom prst="rect">
             <a:avLst/>
@@ -1832,7 +1834,7 @@
             </a:endParaRPr>
           </a:p>
           <a:p>
-            <a:pPr lvl="1" marL="432000" indent="-214920">
+            <a:pPr lvl="1" marL="432000" indent="-214200">
               <a:lnSpc>
                 <a:spcPct val="150000"/>
               </a:lnSpc>
@@ -1867,7 +1869,7 @@
             </a:endParaRPr>
           </a:p>
           <a:p>
-            <a:pPr lvl="1" marL="432000" indent="-214920">
+            <a:pPr lvl="1" marL="432000" indent="-214200">
               <a:lnSpc>
                 <a:spcPct val="150000"/>
               </a:lnSpc>
@@ -1902,7 +1904,7 @@
             </a:endParaRPr>
           </a:p>
           <a:p>
-            <a:pPr lvl="1" marL="432000" indent="-214920">
+            <a:pPr lvl="1" marL="432000" indent="-214200">
               <a:lnSpc>
                 <a:spcPct val="150000"/>
               </a:lnSpc>
@@ -1937,7 +1939,7 @@
             </a:endParaRPr>
           </a:p>
           <a:p>
-            <a:pPr lvl="1" marL="432000" indent="-214920">
+            <a:pPr lvl="1" marL="432000" indent="-214200">
               <a:lnSpc>
                 <a:spcPct val="150000"/>
               </a:lnSpc>
@@ -1972,7 +1974,7 @@
             </a:endParaRPr>
           </a:p>
           <a:p>
-            <a:pPr lvl="1" marL="432000" indent="-214920">
+            <a:pPr lvl="1" marL="432000" indent="-214200">
               <a:lnSpc>
                 <a:spcPct val="150000"/>
               </a:lnSpc>
@@ -2047,7 +2049,7 @@
         <p:spPr>
           <a:xfrm>
             <a:off x="360000" y="180000"/>
-            <a:ext cx="9358920" cy="345240"/>
+            <a:ext cx="9358200" cy="344520"/>
           </a:xfrm>
           <a:prstGeom prst="rect">
             <a:avLst/>
@@ -2098,7 +2100,7 @@
         <p:spPr>
           <a:xfrm>
             <a:off x="540000" y="704520"/>
-            <a:ext cx="8998920" cy="4451040"/>
+            <a:ext cx="8998200" cy="4450320"/>
           </a:xfrm>
           <a:prstGeom prst="rect">
             <a:avLst/>
@@ -2132,20 +2134,7 @@
                 <a:latin typeface="Arial"/>
                 <a:ea typeface="DejaVu Sans"/>
               </a:rPr>
-              <a:t>Exemplo de frases de </a:t>
-            </a:r>
-            <a:r>
-              <a:rPr b="1" lang="pt-BR" sz="1800" spc="-1" strike="noStrike">
-                <a:solidFill>
-                  <a:srgbClr val="000000"/>
-                </a:solidFill>
-                <a:highlight>
-                  <a:srgbClr val="ff8000"/>
-                </a:highlight>
-                <a:latin typeface="Arial"/>
-                <a:ea typeface="DejaVu Sans"/>
-              </a:rPr>
-              <a:t>fatos</a:t>
+              <a:t>Exemplo de frases de fatos</a:t>
             </a:r>
             <a:endParaRPr b="0" lang="pt-BR" sz="1800" spc="-1" strike="noStrike">
               <a:latin typeface="Arial"/>
@@ -2162,9 +2151,6 @@
                 <a:solidFill>
                   <a:srgbClr val="000000"/>
                 </a:solidFill>
-                <a:highlight>
-                  <a:srgbClr val="ff8000"/>
-                </a:highlight>
                 <a:latin typeface="Arial"/>
                 <a:ea typeface="Microsoft YaHei"/>
               </a:rPr>
@@ -2175,184 +2161,10 @@
                 <a:solidFill>
                   <a:srgbClr val="000000"/>
                 </a:solidFill>
-                <a:highlight>
-                  <a:srgbClr val="ff8000"/>
-                </a:highlight>
                 <a:latin typeface="Arial"/>
                 <a:ea typeface="Microsoft YaHei"/>
               </a:rPr>
-              <a:t>Apela</a:t>
-            </a:r>
-            <a:r>
-              <a:rPr b="0" i="1" lang="pt-BR" sz="1300" spc="-1" strike="noStrike">
-                <a:solidFill>
-                  <a:srgbClr val="000000"/>
-                </a:solidFill>
-                <a:latin typeface="Arial"/>
-                <a:ea typeface="Microsoft YaHei"/>
-              </a:rPr>
-              <a:t> WALTER BRUNETTO FILHO argumentando, em síntese, que não há necessidade de postergar a fixação do valor devido para a fase de liquidação. </a:t>
-            </a:r>
-            <a:r>
-              <a:rPr b="0" i="1" lang="pt-BR" sz="1300" spc="-1" strike="noStrike">
-                <a:solidFill>
-                  <a:srgbClr val="000000"/>
-                </a:solidFill>
-                <a:highlight>
-                  <a:srgbClr val="ff8000"/>
-                </a:highlight>
-                <a:latin typeface="Arial"/>
-                <a:ea typeface="Microsoft YaHei"/>
-              </a:rPr>
-              <a:t>Sustenta</a:t>
-            </a:r>
-            <a:r>
-              <a:rPr b="0" i="1" lang="pt-BR" sz="1300" spc="-1" strike="noStrike">
-                <a:solidFill>
-                  <a:srgbClr val="000000"/>
-                </a:solidFill>
-                <a:latin typeface="Arial"/>
-                <a:ea typeface="Microsoft YaHei"/>
-              </a:rPr>
-              <a:t> que não deve ser permitida cobrança de juros capitalizados por período inferior a um ano, vez que a relação jurídica havida entre as partes perdurou até o ano de 1998. </a:t>
-            </a:r>
-            <a:r>
-              <a:rPr b="0" i="1" lang="pt-BR" sz="1300" spc="-1" strike="noStrike">
-                <a:solidFill>
-                  <a:srgbClr val="000000"/>
-                </a:solidFill>
-                <a:highlight>
-                  <a:srgbClr val="ff8000"/>
-                </a:highlight>
-                <a:latin typeface="Arial"/>
-                <a:ea typeface="Microsoft YaHei"/>
-              </a:rPr>
-              <a:t>Trata-se</a:t>
-            </a:r>
-            <a:r>
-              <a:rPr b="0" i="1" lang="pt-BR" sz="1300" spc="-1" strike="noStrike">
-                <a:solidFill>
-                  <a:srgbClr val="000000"/>
-                </a:solidFill>
-                <a:latin typeface="Arial"/>
-                <a:ea typeface="Microsoft YaHei"/>
-              </a:rPr>
-              <a:t>, pois, de contrato firmado antes de 31/03/2000, data da Medida Provisória 1.963-17 (atual 2.170-36/2001). Aduz que diante da cobrança indevida, “flagrante tentativa da apelada em promover seu enriquecimento sem causa cobrando valores inequivocamente indevidos, deve ela suportar a reprimenda prevista em lei para tal hipótese, sendo condenada a pagar o equivalente ao que cobrou indevidamente” (fls  197). </a:t>
-            </a:r>
-            <a:r>
-              <a:rPr b="0" i="1" lang="pt-BR" sz="1300" spc="-1" strike="noStrike">
-                <a:solidFill>
-                  <a:srgbClr val="000000"/>
-                </a:solidFill>
-                <a:highlight>
-                  <a:srgbClr val="ff8000"/>
-                </a:highlight>
-                <a:latin typeface="Arial"/>
-                <a:ea typeface="Microsoft YaHei"/>
-              </a:rPr>
-              <a:t>Afirma que </a:t>
-            </a:r>
-            <a:r>
-              <a:rPr b="0" i="1" lang="pt-BR" sz="1300" spc="-1" strike="noStrike">
-                <a:solidFill>
-                  <a:srgbClr val="000000"/>
-                </a:solidFill>
-                <a:latin typeface="Arial"/>
-                <a:ea typeface="Microsoft YaHei"/>
-              </a:rPr>
-              <a:t>“conforme laudo pericial, o valor da dívida do apelado é de R$ 875,58, mas a apelada está pretendendo receber o valor de R$ 23.282,19. </a:t>
-            </a:r>
-            <a:r>
-              <a:rPr b="0" i="1" lang="pt-BR" sz="1300" spc="-1" strike="noStrike">
-                <a:solidFill>
-                  <a:srgbClr val="000000"/>
-                </a:solidFill>
-                <a:highlight>
-                  <a:srgbClr val="ff8000"/>
-                </a:highlight>
-                <a:latin typeface="Arial"/>
-                <a:ea typeface="Microsoft YaHei"/>
-              </a:rPr>
-              <a:t>Alega que</a:t>
-            </a:r>
-            <a:r>
-              <a:rPr b="0" i="1" lang="pt-BR" sz="1300" spc="-1" strike="noStrike">
-                <a:solidFill>
-                  <a:srgbClr val="000000"/>
-                </a:solidFill>
-                <a:latin typeface="Arial"/>
-                <a:ea typeface="Microsoft YaHei"/>
-              </a:rPr>
-              <a:t> não houve sucumbência recíproca, pois “o valor pretendido pelo apelado foi de R$ 23.282,19, ao passo que o valor auferido na perícia foi de R$ 875,58. </a:t>
-            </a:r>
-            <a:r>
-              <a:rPr b="0" i="1" lang="pt-BR" sz="1300" spc="-1" strike="noStrike">
-                <a:solidFill>
-                  <a:srgbClr val="000000"/>
-                </a:solidFill>
-                <a:highlight>
-                  <a:srgbClr val="ff8000"/>
-                </a:highlight>
-                <a:latin typeface="Arial"/>
-                <a:ea typeface="Microsoft YaHei"/>
-              </a:rPr>
-              <a:t>Trata-se de </a:t>
-            </a:r>
-            <a:r>
-              <a:rPr b="0" i="1" lang="pt-BR" sz="1300" spc="-1" strike="noStrike">
-                <a:solidFill>
-                  <a:srgbClr val="000000"/>
-                </a:solidFill>
-                <a:latin typeface="Arial"/>
-                <a:ea typeface="Microsoft YaHei"/>
-              </a:rPr>
-              <a:t>ação monitória fundada em Contrato de Abertura de Crédito em Conta Corrente Cheque Especial, celebrada em 29/11/1995. No caso em exame, a avença que lastreia a pretensão foi firmada anteriormente à edição da MP 1.963-17 (31.3.00). </a:t>
-            </a:r>
-            <a:r>
-              <a:rPr b="0" i="1" lang="pt-BR" sz="1300" spc="-1" strike="noStrike">
-                <a:solidFill>
-                  <a:srgbClr val="000000"/>
-                </a:solidFill>
-                <a:highlight>
-                  <a:srgbClr val="ff8000"/>
-                </a:highlight>
-                <a:latin typeface="Arial"/>
-                <a:ea typeface="Microsoft YaHei"/>
-              </a:rPr>
-              <a:t>A perícia apurou</a:t>
-            </a:r>
-            <a:r>
-              <a:rPr b="0" i="1" lang="pt-BR" sz="1300" spc="-1" strike="noStrike">
-                <a:solidFill>
-                  <a:srgbClr val="000000"/>
-                </a:solidFill>
-                <a:latin typeface="Arial"/>
-                <a:ea typeface="Microsoft YaHei"/>
-              </a:rPr>
-              <a:t> que o débito relativo à conta corrente teve início em 06/01/1997, partindo do saldo negativo de R$ 875,58 (fls  134). Assim, </a:t>
-            </a:r>
-            <a:r>
-              <a:rPr b="0" i="1" lang="pt-BR" sz="1300" spc="-1" strike="noStrike">
-                <a:solidFill>
-                  <a:srgbClr val="000000"/>
-                </a:solidFill>
-                <a:highlight>
-                  <a:srgbClr val="ff8000"/>
-                </a:highlight>
-                <a:latin typeface="Arial"/>
-                <a:ea typeface="Microsoft YaHei"/>
-              </a:rPr>
-              <a:t>trata-se de</a:t>
-            </a:r>
-            <a:r>
-              <a:rPr b="0" i="1" lang="pt-BR" sz="1300" spc="-1" strike="noStrike">
-                <a:solidFill>
-                  <a:srgbClr val="000000"/>
-                </a:solidFill>
-                <a:latin typeface="Arial"/>
-                <a:ea typeface="Microsoft YaHei"/>
-              </a:rPr>
-              <a:t> inovação trazida em sede recursal e que, por isso, não pode ser enfrentada de forma originária</a:t>
+              <a:t>Apela WALTER BRUNETTO FILHO argumentando, em síntese, que não há necessidade de postergar a fixação do valor devido para a fase de liquidação. Sustenta que não deve ser permitida cobrança de juros capitalizados por período inferior a um ano, vez que a relação jurídica havida entre as partes perdurou até o ano de 1998. Trata-se, pois, de contrato firmado antes de 31/03/2000, data da Medida Provisória 1.963-17 (atual 2.170-36/2001). Aduz que diante da cobrança indevida, “flagrante tentativa da apelada em promover seu enriquecimento sem causa cobrando valores inequivocamente indevidos, deve ela suportar a reprimenda prevista em lei para tal hipótese, sendo condenada a pagar o equivalente ao que cobrou indevidamente” (fls  197). Afirma que “conforme laudo pericial, o valor da dívida do apelado é de R$ 875,58, mas a apelada está pretendendo receber o valor de R$ 23.282,19. Alega que não houve sucumbência recíproca, pois “o valor pretendido pelo apelado foi de R$ 23.282,19, ao passo que o valor auferido na perícia foi de R$ 875,58. Trata-se de ação monitória fundada em Contrato de Abertura de Crédito em Conta Corrente Cheque Especial, celebrada em 29/11/1995. No caso em exame, a avença que lastreia a pretensão foi firmada anteriormente à edição da MP 1.963-17 (31.3.00). A perícia apurou que o débito relativo à conta corrente teve início em 06/01/1997, partindo do saldo negativo de R$ 875,58 (fls  134). Assim, trata-se de inovação trazida em sede recursal e que, por isso, não pode ser enfrentada de forma originária</a:t>
             </a:r>
             <a:r>
               <a:rPr b="0" i="1" lang="pt-BR" sz="1000" spc="-1" strike="noStrike">
@@ -2419,7 +2231,7 @@
         <p:spPr>
           <a:xfrm>
             <a:off x="360000" y="180000"/>
-            <a:ext cx="9358920" cy="345240"/>
+            <a:ext cx="9358200" cy="344520"/>
           </a:xfrm>
           <a:prstGeom prst="rect">
             <a:avLst/>
@@ -2470,7 +2282,7 @@
         <p:spPr>
           <a:xfrm>
             <a:off x="540000" y="704520"/>
-            <a:ext cx="8998920" cy="4366800"/>
+            <a:ext cx="8998200" cy="4366080"/>
           </a:xfrm>
           <a:prstGeom prst="rect">
             <a:avLst/>
@@ -2504,20 +2316,7 @@
                 <a:latin typeface="Arial"/>
                 <a:ea typeface="DejaVu Sans"/>
               </a:rPr>
-              <a:t>Exemplo de frases de </a:t>
-            </a:r>
-            <a:r>
-              <a:rPr b="1" lang="pt-BR" sz="1800" spc="-1" strike="noStrike">
-                <a:solidFill>
-                  <a:srgbClr val="000000"/>
-                </a:solidFill>
-                <a:highlight>
-                  <a:srgbClr val="729fcf"/>
-                </a:highlight>
-                <a:latin typeface="Arial"/>
-                <a:ea typeface="DejaVu Sans"/>
-              </a:rPr>
-              <a:t>direito</a:t>
+              <a:t>Exemplo de frases de direito</a:t>
             </a:r>
             <a:endParaRPr b="0" lang="pt-BR" sz="1800" spc="-1" strike="noStrike">
               <a:latin typeface="Arial"/>
@@ -2547,122 +2346,7 @@
                 <a:latin typeface="Arial"/>
                 <a:ea typeface="Microsoft YaHei"/>
               </a:rPr>
-              <a:t>Inicialmente, deve-se ter em conta que a TR foi instituída pela </a:t>
-            </a:r>
-            <a:r>
-              <a:rPr b="0" i="1" lang="pt-BR" sz="1400" spc="-1" strike="noStrike">
-                <a:solidFill>
-                  <a:srgbClr val="000000"/>
-                </a:solidFill>
-                <a:highlight>
-                  <a:srgbClr val="729fcf"/>
-                </a:highlight>
-                <a:latin typeface="Arial"/>
-                <a:ea typeface="Microsoft YaHei"/>
-              </a:rPr>
-              <a:t>Lei n. 8.177, de 01/03/1991</a:t>
-            </a:r>
-            <a:r>
-              <a:rPr b="0" i="1" lang="pt-BR" sz="1400" spc="-1" strike="noStrike">
-                <a:solidFill>
-                  <a:srgbClr val="000000"/>
-                </a:solidFill>
-                <a:latin typeface="Arial"/>
-                <a:ea typeface="Microsoft YaHei"/>
-              </a:rPr>
-              <a:t>, que, a pretexto de estabelecer regras para a desindexação da economia, dispôs no </a:t>
-            </a:r>
-            <a:r>
-              <a:rPr b="0" i="1" lang="pt-BR" sz="1400" spc="-1" strike="noStrike">
-                <a:solidFill>
-                  <a:srgbClr val="000000"/>
-                </a:solidFill>
-                <a:highlight>
-                  <a:srgbClr val="729fcf"/>
-                </a:highlight>
-                <a:latin typeface="Arial"/>
-                <a:ea typeface="Microsoft YaHei"/>
-              </a:rPr>
-              <a:t>artigo 12</a:t>
-            </a:r>
-            <a:r>
-              <a:rPr b="0" i="1" lang="pt-BR" sz="1400" spc="-1" strike="noStrike">
-                <a:solidFill>
-                  <a:srgbClr val="000000"/>
-                </a:solidFill>
-                <a:latin typeface="Arial"/>
-                <a:ea typeface="Microsoft YaHei"/>
-              </a:rPr>
-              <a:t>, que a remuneração da poupança dar-se-ia com a sua incidência. Logo, se o apelante pactuou o financiamento imobiliário, com reajustes do saldo devedor pelos índices da poupança e se estes foram modificados, com base na </a:t>
-            </a:r>
-            <a:r>
-              <a:rPr b="0" i="1" lang="pt-BR" sz="1400" spc="-1" strike="noStrike">
-                <a:solidFill>
-                  <a:srgbClr val="000000"/>
-                </a:solidFill>
-                <a:highlight>
-                  <a:srgbClr val="729fcf"/>
-                </a:highlight>
-                <a:latin typeface="Arial"/>
-                <a:ea typeface="Microsoft YaHei"/>
-              </a:rPr>
-              <a:t>Lei n. 8.177, de 01/03/1991</a:t>
-            </a:r>
-            <a:r>
-              <a:rPr b="0" i="1" lang="pt-BR" sz="1400" spc="-1" strike="noStrike">
-                <a:solidFill>
-                  <a:srgbClr val="000000"/>
-                </a:solidFill>
-                <a:latin typeface="Arial"/>
-                <a:ea typeface="Microsoft YaHei"/>
-              </a:rPr>
-              <a:t>, a inconformação não se justifica. I - O prequestionamento do dispositivo legal tido como violado constitui requisito de admissibilidade do recurso especial (</a:t>
-            </a:r>
-            <a:r>
-              <a:rPr b="0" i="1" lang="pt-BR" sz="1400" spc="-1" strike="noStrike">
-                <a:solidFill>
-                  <a:srgbClr val="000000"/>
-                </a:solidFill>
-                <a:highlight>
-                  <a:srgbClr val="729fcf"/>
-                </a:highlight>
-                <a:latin typeface="Arial"/>
-                <a:ea typeface="Microsoft YaHei"/>
-              </a:rPr>
-              <a:t>Súmulas 282 e 356/STF</a:t>
-            </a:r>
-            <a:r>
-              <a:rPr b="0" i="1" lang="pt-BR" sz="1400" spc="-1" strike="noStrike">
-                <a:solidFill>
-                  <a:srgbClr val="000000"/>
-                </a:solidFill>
-                <a:latin typeface="Arial"/>
-                <a:ea typeface="Microsoft YaHei"/>
-              </a:rPr>
-              <a:t>). índice de indexação em substituição a índices estipulados em contratos firmados anteriormente a </a:t>
-            </a:r>
-            <a:r>
-              <a:rPr b="0" i="1" lang="pt-BR" sz="1400" spc="-1" strike="noStrike">
-                <a:solidFill>
-                  <a:srgbClr val="000000"/>
-                </a:solidFill>
-                <a:highlight>
-                  <a:srgbClr val="729fcf"/>
-                </a:highlight>
-                <a:latin typeface="Arial"/>
-                <a:ea typeface="Microsoft YaHei"/>
-              </a:rPr>
-              <a:t>Lei 8.177, de 01.03.91. SÚMULA 207/STJ. SÚMULA 5/STJ</a:t>
-            </a:r>
-            <a:r>
-              <a:rPr b="0" i="1" lang="pt-BR" sz="1400" spc="-1" strike="noStrike">
-                <a:solidFill>
-                  <a:srgbClr val="000000"/>
-                </a:solidFill>
-                <a:latin typeface="Arial"/>
-                <a:ea typeface="Microsoft YaHei"/>
-              </a:rPr>
-              <a:t>. Tal providência é absolutamente legítima, tendo em vista que a cobrança de juros sobre juros é vedada nos contratos de financiamento regulados pelo Sistema Financeiro de Habitação, ainda que livremente pactuada entre as partes contratantes, segundo o disposto na Súmula 121/STF, assim redigida: "A capitalização de juros, em qualquer periodicidade, é vedada nos contratos regidos pelo Sistema Financeiro da Habitação, ainda que haja previsão contratual expressa, porquanto inexistente qualquer previsão legal, incidindo, pois, o enunciado 121 da Súmula do Supremo Tribunal Federal</a:t>
+              <a:t>Inicialmente, deve-se ter em conta que a TR foi instituída pela Lei n. 8.177, de 01/03/1991, que, a pretexto de estabelecer regras para a desindexação da economia, dispôs no artigo 12, que a remuneração da poupança dar-se-ia com a sua incidência. Logo, se o apelante pactuou o financiamento imobiliário, com reajustes do saldo devedor pelos índices da poupança e se estes foram modificados, com base na Lei n. 8.177, de 01/03/1991, a inconformação não se justifica. I - O prequestionamento do dispositivo legal tido como violado constitui requisito de admissibilidade do recurso especial (Súmulas 282 e 356/STF). índice de indexação em substituição a índices estipulados em contratos firmados anteriormente a Lei 8.177, de 01.03.91. SÚMULA 207/STJ. SÚMULA 5/STJ. Tal providência é absolutamente legítima, tendo em vista que a cobrança de juros sobre juros é vedada nos contratos de financiamento regulados pelo Sistema Financeiro de Habitação, ainda que livremente pactuada entre as partes contratantes, segundo o disposto na Súmula 121/STF, assim redigida: "A capitalização de juros, em qualquer periodicidade, é vedada nos contratos regidos pelo Sistema Financeiro da Habitação, ainda que haja previsão contratual expressa, porquanto inexistente qualquer previsão legal, incidindo, pois, o enunciado 121 da Súmula do Supremo Tribunal Federal</a:t>
             </a:r>
             <a:r>
               <a:rPr b="0" lang="pt-BR" sz="1400" spc="-1" strike="noStrike">
@@ -2719,7 +2403,7 @@
         <p:spPr>
           <a:xfrm>
             <a:off x="360000" y="180000"/>
-            <a:ext cx="9358920" cy="345240"/>
+            <a:ext cx="9358200" cy="344520"/>
           </a:xfrm>
           <a:prstGeom prst="rect">
             <a:avLst/>
@@ -2770,7 +2454,7 @@
         <p:spPr>
           <a:xfrm>
             <a:off x="540000" y="704520"/>
-            <a:ext cx="8998920" cy="3926880"/>
+            <a:ext cx="8998200" cy="3926160"/>
           </a:xfrm>
           <a:prstGeom prst="rect">
             <a:avLst/>
@@ -2841,7 +2525,7 @@
             </a:endParaRPr>
           </a:p>
           <a:p>
-            <a:pPr lvl="1" marL="432000" indent="-214920">
+            <a:pPr lvl="1" marL="432000" indent="-214200">
               <a:lnSpc>
                 <a:spcPct val="150000"/>
               </a:lnSpc>
@@ -2876,7 +2560,7 @@
             </a:endParaRPr>
           </a:p>
           <a:p>
-            <a:pPr lvl="1" marL="432000" indent="-214920">
+            <a:pPr lvl="1" marL="432000" indent="-214200">
               <a:lnSpc>
                 <a:spcPct val="150000"/>
               </a:lnSpc>
@@ -2911,7 +2595,7 @@
             </a:endParaRPr>
           </a:p>
           <a:p>
-            <a:pPr lvl="1" marL="432000" indent="-214920">
+            <a:pPr lvl="1" marL="432000" indent="-214200">
               <a:lnSpc>
                 <a:spcPct val="150000"/>
               </a:lnSpc>
@@ -2946,7 +2630,7 @@
             </a:endParaRPr>
           </a:p>
           <a:p>
-            <a:pPr lvl="1" marL="432000" indent="-214920">
+            <a:pPr lvl="1" marL="432000" indent="-214200">
               <a:lnSpc>
                 <a:spcPct val="150000"/>
               </a:lnSpc>
@@ -2982,6 +2666,1141 @@
           </a:p>
         </p:txBody>
       </p:sp>
+    </p:spTree>
+  </p:cSld>
+  <mc:AlternateContent>
+    <mc:Choice Requires="p14">
+      <p:transition spd="slow" p14:dur="2000"/>
+    </mc:Choice>
+    <mc:Fallback>
+      <p:transition spd="slow"/>
+    </mc:Fallback>
+  </mc:AlternateContent>
+</p:sld>
+</file>
+
+<file path=ppt/slides/slide5.xml><?xml version="1.0" encoding="utf-8"?>
+<p:sld xmlns:a="http://schemas.openxmlformats.org/drawingml/2006/main" xmlns:p="http://schemas.openxmlformats.org/presentationml/2006/main" xmlns:r="http://schemas.openxmlformats.org/officeDocument/2006/relationships" xmlns:p14="http://schemas.microsoft.com/office/powerpoint/2010/main" xmlns:p15="http://schemas.microsoft.com/office/powerpoint/2012/main" xmlns:mc="http://schemas.openxmlformats.org/markup-compatibility/2006">
+  <p:cSld>
+    <p:spTree>
+      <p:nvGrpSpPr>
+        <p:cNvPr id="1" name=""/>
+        <p:cNvGrpSpPr/>
+        <p:nvPr/>
+      </p:nvGrpSpPr>
+      <p:grpSpPr>
+        <a:xfrm>
+          <a:off x="0" y="0"/>
+          <a:ext cx="0" cy="0"/>
+          <a:chOff x="0" y="0"/>
+          <a:chExt cx="0" cy="0"/>
+        </a:xfrm>
+      </p:grpSpPr>
+      <p:sp>
+        <p:nvSpPr>
+          <p:cNvPr id="46" name="CustomShape 1"/>
+          <p:cNvSpPr/>
+          <p:nvPr/>
+        </p:nvSpPr>
+        <p:spPr>
+          <a:xfrm>
+            <a:off x="360000" y="180000"/>
+            <a:ext cx="9358200" cy="344520"/>
+          </a:xfrm>
+          <a:prstGeom prst="rect">
+            <a:avLst/>
+          </a:prstGeom>
+          <a:noFill/>
+          <a:ln w="0">
+            <a:noFill/>
+          </a:ln>
+        </p:spPr>
+        <p:style>
+          <a:lnRef idx="0"/>
+          <a:fillRef idx="0"/>
+          <a:effectRef idx="0"/>
+          <a:fontRef idx="minor"/>
+        </p:style>
+        <p:txBody>
+          <a:bodyPr lIns="90000" rIns="90000" tIns="45000" bIns="45000">
+            <a:noAutofit/>
+          </a:bodyPr>
+          <a:p>
+            <a:pPr algn="ctr">
+              <a:lnSpc>
+                <a:spcPct val="100000"/>
+              </a:lnSpc>
+            </a:pPr>
+            <a:r>
+              <a:rPr b="0" lang="pt-BR" sz="1800" spc="-1" strike="noStrike">
+                <a:solidFill>
+                  <a:srgbClr val="000000"/>
+                </a:solidFill>
+                <a:latin typeface="Arial"/>
+                <a:ea typeface="DejaVu Sans"/>
+              </a:rPr>
+              <a:t>Segmentação de um texto jurídico em partes lógicas</a:t>
+            </a:r>
+            <a:endParaRPr b="0" lang="pt-BR" sz="1800" spc="-1" strike="noStrike">
+              <a:latin typeface="Arial"/>
+            </a:endParaRPr>
+          </a:p>
+        </p:txBody>
+      </p:sp>
+      <p:sp>
+        <p:nvSpPr>
+          <p:cNvPr id="47" name="CustomShape 2"/>
+          <p:cNvSpPr/>
+          <p:nvPr/>
+        </p:nvSpPr>
+        <p:spPr>
+          <a:xfrm>
+            <a:off x="540000" y="704520"/>
+            <a:ext cx="8998200" cy="3926160"/>
+          </a:xfrm>
+          <a:prstGeom prst="rect">
+            <a:avLst/>
+          </a:prstGeom>
+          <a:noFill/>
+          <a:ln w="0">
+            <a:noFill/>
+          </a:ln>
+        </p:spPr>
+        <p:style>
+          <a:lnRef idx="0"/>
+          <a:fillRef idx="0"/>
+          <a:effectRef idx="0"/>
+          <a:fontRef idx="minor"/>
+        </p:style>
+        <p:txBody>
+          <a:bodyPr lIns="90000" rIns="90000" tIns="45000" bIns="45000">
+            <a:noAutofit/>
+          </a:bodyPr>
+          <a:p>
+            <a:pPr>
+              <a:lnSpc>
+                <a:spcPct val="150000"/>
+              </a:lnSpc>
+            </a:pPr>
+            <a:r>
+              <a:rPr b="1" lang="pt-BR" sz="1800" spc="-1" strike="noStrike">
+                <a:solidFill>
+                  <a:srgbClr val="000000"/>
+                </a:solidFill>
+                <a:latin typeface="Arial"/>
+                <a:ea typeface="DejaVu Sans"/>
+              </a:rPr>
+              <a:t>Resultados da classificação com segmentação</a:t>
+            </a:r>
+            <a:endParaRPr b="0" lang="pt-BR" sz="1800" spc="-1" strike="noStrike">
+              <a:latin typeface="Arial"/>
+            </a:endParaRPr>
+          </a:p>
+          <a:p>
+            <a:pPr>
+              <a:lnSpc>
+                <a:spcPct val="150000"/>
+              </a:lnSpc>
+            </a:pPr>
+            <a:endParaRPr b="0" lang="pt-BR" sz="1800" spc="-1" strike="noStrike">
+              <a:latin typeface="Arial"/>
+            </a:endParaRPr>
+          </a:p>
+          <a:p>
+            <a:pPr>
+              <a:lnSpc>
+                <a:spcPct val="150000"/>
+              </a:lnSpc>
+            </a:pPr>
+            <a:endParaRPr b="0" lang="pt-BR" sz="1800" spc="-1" strike="noStrike">
+              <a:latin typeface="Arial"/>
+            </a:endParaRPr>
+          </a:p>
+        </p:txBody>
+      </p:sp>
+      <p:graphicFrame>
+        <p:nvGraphicFramePr>
+          <p:cNvPr id="48" name="Table 3"/>
+          <p:cNvGraphicFramePr/>
+          <p:nvPr/>
+        </p:nvGraphicFramePr>
+        <p:xfrm>
+          <a:off x="891720" y="1854720"/>
+          <a:ext cx="8646480" cy="1564920"/>
+        </p:xfrm>
+        <a:graphic>
+          <a:graphicData uri="http://schemas.openxmlformats.org/drawingml/2006/table">
+            <a:tbl>
+              <a:tblPr/>
+              <a:tblGrid>
+                <a:gridCol w="1440360"/>
+                <a:gridCol w="1440360"/>
+                <a:gridCol w="1440360"/>
+                <a:gridCol w="1440360"/>
+                <a:gridCol w="1440360"/>
+                <a:gridCol w="1445040"/>
+              </a:tblGrid>
+              <a:tr h="782280">
+                <a:tc>
+                  <a:txBody>
+                    <a:bodyPr lIns="90000" rIns="90000">
+                      <a:noAutofit/>
+                    </a:bodyPr>
+                    <a:p>
+                      <a:pPr>
+                        <a:lnSpc>
+                          <a:spcPct val="100000"/>
+                        </a:lnSpc>
+                      </a:pPr>
+                      <a:r>
+                        <a:rPr b="0" lang="pt-BR" sz="1800" spc="-1" strike="noStrike">
+                          <a:latin typeface="Arial"/>
+                        </a:rPr>
+                        <a:t>0929</a:t>
+                      </a:r>
+                      <a:endParaRPr b="0" lang="pt-BR" sz="1800" spc="-1" strike="noStrike">
+                        <a:latin typeface="Arial"/>
+                      </a:endParaRPr>
+                    </a:p>
+                  </a:txBody>
+                  <a:tcPr marL="90000" marR="90000">
+                    <a:lnL w="720">
+                      <a:solidFill>
+                        <a:srgbClr val="ffffff"/>
+                      </a:solidFill>
+                    </a:lnL>
+                    <a:lnR w="720">
+                      <a:solidFill>
+                        <a:srgbClr val="ffffff"/>
+                      </a:solidFill>
+                    </a:lnR>
+                    <a:lnT w="720">
+                      <a:solidFill>
+                        <a:srgbClr val="ffffff"/>
+                      </a:solidFill>
+                    </a:lnT>
+                    <a:lnB w="720">
+                      <a:solidFill>
+                        <a:srgbClr val="ffffff"/>
+                      </a:solidFill>
+                    </a:lnB>
+                    <a:solidFill>
+                      <a:srgbClr val="b3b3b3"/>
+                    </a:solidFill>
+                  </a:tcPr>
+                </a:tc>
+                <a:tc>
+                  <a:txBody>
+                    <a:bodyPr lIns="90000" rIns="90000">
+                      <a:noAutofit/>
+                    </a:bodyPr>
+                    <a:p>
+                      <a:pPr>
+                        <a:lnSpc>
+                          <a:spcPct val="100000"/>
+                        </a:lnSpc>
+                      </a:pPr>
+                      <a:r>
+                        <a:rPr b="0" lang="pt-BR" sz="1800" spc="-1" strike="noStrike">
+                          <a:latin typeface="Arial"/>
+                        </a:rPr>
+                        <a:t>1015</a:t>
+                      </a:r>
+                      <a:endParaRPr b="0" lang="pt-BR" sz="1800" spc="-1" strike="noStrike">
+                        <a:latin typeface="Arial"/>
+                      </a:endParaRPr>
+                    </a:p>
+                  </a:txBody>
+                  <a:tcPr marL="90000" marR="90000">
+                    <a:lnL w="720">
+                      <a:solidFill>
+                        <a:srgbClr val="ffffff"/>
+                      </a:solidFill>
+                    </a:lnL>
+                    <a:lnR w="720">
+                      <a:solidFill>
+                        <a:srgbClr val="ffffff"/>
+                      </a:solidFill>
+                    </a:lnR>
+                    <a:lnT w="720">
+                      <a:solidFill>
+                        <a:srgbClr val="ffffff"/>
+                      </a:solidFill>
+                    </a:lnT>
+                    <a:lnB w="720">
+                      <a:solidFill>
+                        <a:srgbClr val="ffffff"/>
+                      </a:solidFill>
+                    </a:lnB>
+                    <a:solidFill>
+                      <a:srgbClr val="b3b3b3"/>
+                    </a:solidFill>
+                  </a:tcPr>
+                </a:tc>
+                <a:tc>
+                  <a:txBody>
+                    <a:bodyPr lIns="90000" rIns="90000">
+                      <a:noAutofit/>
+                    </a:bodyPr>
+                    <a:p>
+                      <a:pPr>
+                        <a:lnSpc>
+                          <a:spcPct val="100000"/>
+                        </a:lnSpc>
+                      </a:pPr>
+                      <a:r>
+                        <a:rPr b="0" lang="pt-BR" sz="1800" spc="-1" strike="noStrike">
+                          <a:latin typeface="Arial"/>
+                        </a:rPr>
+                        <a:t>1033</a:t>
+                      </a:r>
+                      <a:endParaRPr b="0" lang="pt-BR" sz="1800" spc="-1" strike="noStrike">
+                        <a:latin typeface="Arial"/>
+                      </a:endParaRPr>
+                    </a:p>
+                    <a:p>
+                      <a:pPr>
+                        <a:lnSpc>
+                          <a:spcPct val="100000"/>
+                        </a:lnSpc>
+                      </a:pPr>
+                      <a:endParaRPr b="0" lang="pt-BR" sz="1800" spc="-1" strike="noStrike">
+                        <a:latin typeface="Arial"/>
+                      </a:endParaRPr>
+                    </a:p>
+                  </a:txBody>
+                  <a:tcPr marL="90000" marR="90000">
+                    <a:lnL w="720">
+                      <a:solidFill>
+                        <a:srgbClr val="ffffff"/>
+                      </a:solidFill>
+                    </a:lnL>
+                    <a:lnR w="720">
+                      <a:solidFill>
+                        <a:srgbClr val="ffffff"/>
+                      </a:solidFill>
+                    </a:lnR>
+                    <a:lnT w="720">
+                      <a:solidFill>
+                        <a:srgbClr val="ffffff"/>
+                      </a:solidFill>
+                    </a:lnT>
+                    <a:lnB w="720">
+                      <a:solidFill>
+                        <a:srgbClr val="ffffff"/>
+                      </a:solidFill>
+                    </a:lnB>
+                    <a:solidFill>
+                      <a:srgbClr val="b3b3b3"/>
+                    </a:solidFill>
+                  </a:tcPr>
+                </a:tc>
+                <a:tc>
+                  <a:txBody>
+                    <a:bodyPr lIns="90000" rIns="90000">
+                      <a:noAutofit/>
+                    </a:bodyPr>
+                    <a:p>
+                      <a:pPr>
+                        <a:lnSpc>
+                          <a:spcPct val="100000"/>
+                        </a:lnSpc>
+                      </a:pPr>
+                      <a:r>
+                        <a:rPr b="0" lang="pt-BR" sz="1800" spc="-1" strike="noStrike">
+                          <a:latin typeface="Arial"/>
+                        </a:rPr>
+                        <a:t>1039</a:t>
+                      </a:r>
+                      <a:endParaRPr b="0" lang="pt-BR" sz="1800" spc="-1" strike="noStrike">
+                        <a:latin typeface="Arial"/>
+                      </a:endParaRPr>
+                    </a:p>
+                  </a:txBody>
+                  <a:tcPr marL="90000" marR="90000">
+                    <a:lnL w="720">
+                      <a:solidFill>
+                        <a:srgbClr val="ffffff"/>
+                      </a:solidFill>
+                    </a:lnL>
+                    <a:lnR w="720">
+                      <a:solidFill>
+                        <a:srgbClr val="ffffff"/>
+                      </a:solidFill>
+                    </a:lnR>
+                    <a:lnT w="720">
+                      <a:solidFill>
+                        <a:srgbClr val="ffffff"/>
+                      </a:solidFill>
+                    </a:lnT>
+                    <a:lnB w="720">
+                      <a:solidFill>
+                        <a:srgbClr val="ffffff"/>
+                      </a:solidFill>
+                    </a:lnB>
+                    <a:solidFill>
+                      <a:srgbClr val="b3b3b3"/>
+                    </a:solidFill>
+                  </a:tcPr>
+                </a:tc>
+                <a:tc>
+                  <a:txBody>
+                    <a:bodyPr lIns="90000" rIns="90000">
+                      <a:noAutofit/>
+                    </a:bodyPr>
+                    <a:p>
+                      <a:pPr>
+                        <a:lnSpc>
+                          <a:spcPct val="100000"/>
+                        </a:lnSpc>
+                      </a:pPr>
+                      <a:r>
+                        <a:rPr b="0" lang="pt-BR" sz="1800" spc="-1" strike="noStrike">
+                          <a:latin typeface="Arial"/>
+                        </a:rPr>
+                        <a:t>1046</a:t>
+                      </a:r>
+                      <a:endParaRPr b="0" lang="pt-BR" sz="1800" spc="-1" strike="noStrike">
+                        <a:latin typeface="Arial"/>
+                      </a:endParaRPr>
+                    </a:p>
+                  </a:txBody>
+                  <a:tcPr marL="90000" marR="90000">
+                    <a:lnL w="720">
+                      <a:solidFill>
+                        <a:srgbClr val="ffffff"/>
+                      </a:solidFill>
+                    </a:lnL>
+                    <a:lnR w="720">
+                      <a:solidFill>
+                        <a:srgbClr val="ffffff"/>
+                      </a:solidFill>
+                    </a:lnR>
+                    <a:lnT w="720">
+                      <a:solidFill>
+                        <a:srgbClr val="ffffff"/>
+                      </a:solidFill>
+                    </a:lnT>
+                    <a:lnB w="720">
+                      <a:solidFill>
+                        <a:srgbClr val="ffffff"/>
+                      </a:solidFill>
+                    </a:lnB>
+                    <a:solidFill>
+                      <a:srgbClr val="b3b3b3"/>
+                    </a:solidFill>
+                  </a:tcPr>
+                </a:tc>
+                <a:tc>
+                  <a:txBody>
+                    <a:bodyPr lIns="90000" rIns="90000">
+                      <a:noAutofit/>
+                    </a:bodyPr>
+                    <a:p>
+                      <a:pPr>
+                        <a:lnSpc>
+                          <a:spcPct val="100000"/>
+                        </a:lnSpc>
+                      </a:pPr>
+                      <a:r>
+                        <a:rPr b="0" lang="pt-BR" sz="1800" spc="-1" strike="noStrike">
+                          <a:latin typeface="Arial"/>
+                        </a:rPr>
+                        <a:t>1101</a:t>
+                      </a:r>
+                      <a:endParaRPr b="0" lang="pt-BR" sz="1800" spc="-1" strike="noStrike">
+                        <a:latin typeface="Arial"/>
+                      </a:endParaRPr>
+                    </a:p>
+                  </a:txBody>
+                  <a:tcPr marL="90000" marR="90000">
+                    <a:lnL w="720">
+                      <a:solidFill>
+                        <a:srgbClr val="ffffff"/>
+                      </a:solidFill>
+                    </a:lnL>
+                    <a:lnR w="720">
+                      <a:solidFill>
+                        <a:srgbClr val="ffffff"/>
+                      </a:solidFill>
+                    </a:lnR>
+                    <a:lnT w="720">
+                      <a:solidFill>
+                        <a:srgbClr val="ffffff"/>
+                      </a:solidFill>
+                    </a:lnT>
+                    <a:lnB w="720">
+                      <a:solidFill>
+                        <a:srgbClr val="ffffff"/>
+                      </a:solidFill>
+                    </a:lnB>
+                    <a:solidFill>
+                      <a:srgbClr val="b3b3b3"/>
+                    </a:solidFill>
+                  </a:tcPr>
+                </a:tc>
+              </a:tr>
+              <a:tr h="783000">
+                <a:tc>
+                  <a:txBody>
+                    <a:bodyPr lIns="90000" rIns="90000">
+                      <a:noAutofit/>
+                    </a:bodyPr>
+                    <a:p>
+                      <a:pPr>
+                        <a:lnSpc>
+                          <a:spcPct val="100000"/>
+                        </a:lnSpc>
+                      </a:pPr>
+                      <a:r>
+                        <a:rPr b="0" lang="pt-BR" sz="1800" spc="-1" strike="noStrike">
+                          <a:latin typeface="Arial"/>
+                        </a:rPr>
+                        <a:t>Acc – 93%</a:t>
+                      </a:r>
+                      <a:endParaRPr b="0" lang="pt-BR" sz="1800" spc="-1" strike="noStrike">
+                        <a:latin typeface="Arial"/>
+                      </a:endParaRPr>
+                    </a:p>
+                    <a:p>
+                      <a:pPr>
+                        <a:lnSpc>
+                          <a:spcPct val="100000"/>
+                        </a:lnSpc>
+                      </a:pPr>
+                      <a:r>
+                        <a:rPr b="0" lang="pt-BR" sz="1800" spc="-1" strike="noStrike">
+                          <a:latin typeface="Arial"/>
+                        </a:rPr>
+                        <a:t>Prec – 72%</a:t>
+                      </a:r>
+                      <a:endParaRPr b="0" lang="pt-BR" sz="1800" spc="-1" strike="noStrike">
+                        <a:latin typeface="Arial"/>
+                      </a:endParaRPr>
+                    </a:p>
+                    <a:p>
+                      <a:pPr>
+                        <a:lnSpc>
+                          <a:spcPct val="100000"/>
+                        </a:lnSpc>
+                      </a:pPr>
+                      <a:r>
+                        <a:rPr b="0" lang="pt-BR" sz="1800" spc="-1" strike="noStrike">
+                          <a:latin typeface="Arial"/>
+                        </a:rPr>
+                        <a:t>Sen – 95%</a:t>
+                      </a:r>
+                      <a:endParaRPr b="0" lang="pt-BR" sz="1800" spc="-1" strike="noStrike">
+                        <a:latin typeface="Arial"/>
+                      </a:endParaRPr>
+                    </a:p>
+                  </a:txBody>
+                  <a:tcPr marL="90000" marR="90000">
+                    <a:lnL w="720">
+                      <a:solidFill>
+                        <a:srgbClr val="ffffff"/>
+                      </a:solidFill>
+                    </a:lnL>
+                    <a:lnR w="720">
+                      <a:solidFill>
+                        <a:srgbClr val="ffffff"/>
+                      </a:solidFill>
+                    </a:lnR>
+                    <a:lnT w="720">
+                      <a:solidFill>
+                        <a:srgbClr val="ffffff"/>
+                      </a:solidFill>
+                    </a:lnT>
+                    <a:lnB w="720">
+                      <a:solidFill>
+                        <a:srgbClr val="ffffff"/>
+                      </a:solidFill>
+                    </a:lnB>
+                    <a:solidFill>
+                      <a:srgbClr val="cccccc"/>
+                    </a:solidFill>
+                  </a:tcPr>
+                </a:tc>
+                <a:tc>
+                  <a:txBody>
+                    <a:bodyPr lIns="90000" rIns="90000">
+                      <a:noAutofit/>
+                    </a:bodyPr>
+                    <a:p>
+                      <a:pPr>
+                        <a:lnSpc>
+                          <a:spcPct val="100000"/>
+                        </a:lnSpc>
+                      </a:pPr>
+                      <a:r>
+                        <a:rPr b="0" lang="pt-BR" sz="1800" spc="-1" strike="noStrike">
+                          <a:latin typeface="Arial"/>
+                        </a:rPr>
+                        <a:t>Acc – 98%</a:t>
+                      </a:r>
+                      <a:endParaRPr b="0" lang="pt-BR" sz="1800" spc="-1" strike="noStrike">
+                        <a:latin typeface="Arial"/>
+                      </a:endParaRPr>
+                    </a:p>
+                    <a:p>
+                      <a:pPr>
+                        <a:lnSpc>
+                          <a:spcPct val="100000"/>
+                        </a:lnSpc>
+                      </a:pPr>
+                      <a:r>
+                        <a:rPr b="0" lang="pt-BR" sz="1800" spc="-1" strike="noStrike">
+                          <a:latin typeface="Arial"/>
+                        </a:rPr>
+                        <a:t>Prec – 85%</a:t>
+                      </a:r>
+                      <a:endParaRPr b="0" lang="pt-BR" sz="1800" spc="-1" strike="noStrike">
+                        <a:latin typeface="Arial"/>
+                      </a:endParaRPr>
+                    </a:p>
+                    <a:p>
+                      <a:pPr>
+                        <a:lnSpc>
+                          <a:spcPct val="100000"/>
+                        </a:lnSpc>
+                      </a:pPr>
+                      <a:r>
+                        <a:rPr b="0" lang="pt-BR" sz="1800" spc="-1" strike="noStrike">
+                          <a:latin typeface="Arial"/>
+                        </a:rPr>
+                        <a:t>Sen – 96%</a:t>
+                      </a:r>
+                      <a:endParaRPr b="0" lang="pt-BR" sz="1800" spc="-1" strike="noStrike">
+                        <a:latin typeface="Arial"/>
+                      </a:endParaRPr>
+                    </a:p>
+                  </a:txBody>
+                  <a:tcPr marL="90000" marR="90000">
+                    <a:lnL w="720">
+                      <a:solidFill>
+                        <a:srgbClr val="ffffff"/>
+                      </a:solidFill>
+                    </a:lnL>
+                    <a:lnR w="720">
+                      <a:solidFill>
+                        <a:srgbClr val="ffffff"/>
+                      </a:solidFill>
+                    </a:lnR>
+                    <a:lnT w="720">
+                      <a:solidFill>
+                        <a:srgbClr val="ffffff"/>
+                      </a:solidFill>
+                    </a:lnT>
+                    <a:lnB w="720">
+                      <a:solidFill>
+                        <a:srgbClr val="ffffff"/>
+                      </a:solidFill>
+                    </a:lnB>
+                    <a:solidFill>
+                      <a:srgbClr val="cccccc"/>
+                    </a:solidFill>
+                  </a:tcPr>
+                </a:tc>
+                <a:tc>
+                  <a:txBody>
+                    <a:bodyPr lIns="90000" rIns="90000">
+                      <a:noAutofit/>
+                    </a:bodyPr>
+                    <a:p>
+                      <a:pPr>
+                        <a:lnSpc>
+                          <a:spcPct val="100000"/>
+                        </a:lnSpc>
+                      </a:pPr>
+                      <a:r>
+                        <a:rPr b="0" lang="pt-BR" sz="1800" spc="-1" strike="noStrike">
+                          <a:latin typeface="Arial"/>
+                        </a:rPr>
+                        <a:t>Acc – 99%</a:t>
+                      </a:r>
+                      <a:endParaRPr b="0" lang="pt-BR" sz="1800" spc="-1" strike="noStrike">
+                        <a:latin typeface="Arial"/>
+                      </a:endParaRPr>
+                    </a:p>
+                    <a:p>
+                      <a:pPr>
+                        <a:lnSpc>
+                          <a:spcPct val="100000"/>
+                        </a:lnSpc>
+                      </a:pPr>
+                      <a:r>
+                        <a:rPr b="0" lang="pt-BR" sz="1800" spc="-1" strike="noStrike">
+                          <a:latin typeface="Arial"/>
+                        </a:rPr>
+                        <a:t>Prec – 99%</a:t>
+                      </a:r>
+                      <a:endParaRPr b="0" lang="pt-BR" sz="1800" spc="-1" strike="noStrike">
+                        <a:latin typeface="Arial"/>
+                      </a:endParaRPr>
+                    </a:p>
+                    <a:p>
+                      <a:pPr>
+                        <a:lnSpc>
+                          <a:spcPct val="100000"/>
+                        </a:lnSpc>
+                      </a:pPr>
+                      <a:r>
+                        <a:rPr b="0" lang="pt-BR" sz="1800" spc="-1" strike="noStrike">
+                          <a:latin typeface="Arial"/>
+                        </a:rPr>
+                        <a:t>Sen – 97%</a:t>
+                      </a:r>
+                      <a:endParaRPr b="0" lang="pt-BR" sz="1800" spc="-1" strike="noStrike">
+                        <a:latin typeface="Arial"/>
+                      </a:endParaRPr>
+                    </a:p>
+                  </a:txBody>
+                  <a:tcPr marL="90000" marR="90000">
+                    <a:lnL w="720">
+                      <a:solidFill>
+                        <a:srgbClr val="ffffff"/>
+                      </a:solidFill>
+                    </a:lnL>
+                    <a:lnR w="720">
+                      <a:solidFill>
+                        <a:srgbClr val="ffffff"/>
+                      </a:solidFill>
+                    </a:lnR>
+                    <a:lnT w="720">
+                      <a:solidFill>
+                        <a:srgbClr val="ffffff"/>
+                      </a:solidFill>
+                    </a:lnT>
+                    <a:lnB w="720">
+                      <a:solidFill>
+                        <a:srgbClr val="ffffff"/>
+                      </a:solidFill>
+                    </a:lnB>
+                    <a:solidFill>
+                      <a:srgbClr val="cccccc"/>
+                    </a:solidFill>
+                  </a:tcPr>
+                </a:tc>
+                <a:tc>
+                  <a:txBody>
+                    <a:bodyPr lIns="90000" rIns="90000">
+                      <a:noAutofit/>
+                    </a:bodyPr>
+                    <a:p>
+                      <a:pPr>
+                        <a:lnSpc>
+                          <a:spcPct val="100000"/>
+                        </a:lnSpc>
+                      </a:pPr>
+                      <a:r>
+                        <a:rPr b="0" lang="pt-BR" sz="1800" spc="-1" strike="noStrike">
+                          <a:latin typeface="Arial"/>
+                        </a:rPr>
+                        <a:t>Acc – 97%</a:t>
+                      </a:r>
+                      <a:endParaRPr b="0" lang="pt-BR" sz="1800" spc="-1" strike="noStrike">
+                        <a:latin typeface="Arial"/>
+                      </a:endParaRPr>
+                    </a:p>
+                    <a:p>
+                      <a:pPr>
+                        <a:lnSpc>
+                          <a:spcPct val="100000"/>
+                        </a:lnSpc>
+                      </a:pPr>
+                      <a:r>
+                        <a:rPr b="0" lang="pt-BR" sz="1800" spc="-1" strike="noStrike">
+                          <a:latin typeface="Arial"/>
+                        </a:rPr>
+                        <a:t>Prec – 58%</a:t>
+                      </a:r>
+                      <a:endParaRPr b="0" lang="pt-BR" sz="1800" spc="-1" strike="noStrike">
+                        <a:latin typeface="Arial"/>
+                      </a:endParaRPr>
+                    </a:p>
+                    <a:p>
+                      <a:pPr>
+                        <a:lnSpc>
+                          <a:spcPct val="100000"/>
+                        </a:lnSpc>
+                      </a:pPr>
+                      <a:r>
+                        <a:rPr b="0" lang="pt-BR" sz="1800" spc="-1" strike="noStrike">
+                          <a:latin typeface="Arial"/>
+                        </a:rPr>
+                        <a:t>Sen – 98%</a:t>
+                      </a:r>
+                      <a:endParaRPr b="0" lang="pt-BR" sz="1800" spc="-1" strike="noStrike">
+                        <a:latin typeface="Arial"/>
+                      </a:endParaRPr>
+                    </a:p>
+                  </a:txBody>
+                  <a:tcPr marL="90000" marR="90000">
+                    <a:lnL w="720">
+                      <a:solidFill>
+                        <a:srgbClr val="ffffff"/>
+                      </a:solidFill>
+                    </a:lnL>
+                    <a:lnR w="720">
+                      <a:solidFill>
+                        <a:srgbClr val="ffffff"/>
+                      </a:solidFill>
+                    </a:lnR>
+                    <a:lnT w="720">
+                      <a:solidFill>
+                        <a:srgbClr val="ffffff"/>
+                      </a:solidFill>
+                    </a:lnT>
+                    <a:lnB w="720">
+                      <a:solidFill>
+                        <a:srgbClr val="ffffff"/>
+                      </a:solidFill>
+                    </a:lnB>
+                    <a:solidFill>
+                      <a:srgbClr val="cccccc"/>
+                    </a:solidFill>
+                  </a:tcPr>
+                </a:tc>
+                <a:tc>
+                  <a:txBody>
+                    <a:bodyPr lIns="90000" rIns="90000">
+                      <a:noAutofit/>
+                    </a:bodyPr>
+                    <a:p>
+                      <a:pPr>
+                        <a:lnSpc>
+                          <a:spcPct val="100000"/>
+                        </a:lnSpc>
+                      </a:pPr>
+                      <a:r>
+                        <a:rPr b="0" lang="pt-BR" sz="1800" spc="-1" strike="noStrike">
+                          <a:latin typeface="Arial"/>
+                        </a:rPr>
+                        <a:t>Acc – 94%</a:t>
+                      </a:r>
+                      <a:endParaRPr b="0" lang="pt-BR" sz="1800" spc="-1" strike="noStrike">
+                        <a:latin typeface="Arial"/>
+                      </a:endParaRPr>
+                    </a:p>
+                    <a:p>
+                      <a:pPr>
+                        <a:lnSpc>
+                          <a:spcPct val="100000"/>
+                        </a:lnSpc>
+                      </a:pPr>
+                      <a:r>
+                        <a:rPr b="0" lang="pt-BR" sz="1800" spc="-1" strike="noStrike">
+                          <a:latin typeface="Arial"/>
+                        </a:rPr>
+                        <a:t>Prec – 75%</a:t>
+                      </a:r>
+                      <a:endParaRPr b="0" lang="pt-BR" sz="1800" spc="-1" strike="noStrike">
+                        <a:latin typeface="Arial"/>
+                      </a:endParaRPr>
+                    </a:p>
+                    <a:p>
+                      <a:pPr>
+                        <a:lnSpc>
+                          <a:spcPct val="100000"/>
+                        </a:lnSpc>
+                      </a:pPr>
+                      <a:r>
+                        <a:rPr b="0" lang="pt-BR" sz="1800" spc="-1" strike="noStrike">
+                          <a:latin typeface="Arial"/>
+                        </a:rPr>
+                        <a:t>Sen – 95%</a:t>
+                      </a:r>
+                      <a:endParaRPr b="0" lang="pt-BR" sz="1800" spc="-1" strike="noStrike">
+                        <a:latin typeface="Arial"/>
+                      </a:endParaRPr>
+                    </a:p>
+                  </a:txBody>
+                  <a:tcPr marL="90000" marR="90000">
+                    <a:lnL w="720">
+                      <a:solidFill>
+                        <a:srgbClr val="ffffff"/>
+                      </a:solidFill>
+                    </a:lnL>
+                    <a:lnR w="720">
+                      <a:solidFill>
+                        <a:srgbClr val="ffffff"/>
+                      </a:solidFill>
+                    </a:lnR>
+                    <a:lnT w="720">
+                      <a:solidFill>
+                        <a:srgbClr val="ffffff"/>
+                      </a:solidFill>
+                    </a:lnT>
+                    <a:lnB w="720">
+                      <a:solidFill>
+                        <a:srgbClr val="ffffff"/>
+                      </a:solidFill>
+                    </a:lnB>
+                    <a:solidFill>
+                      <a:srgbClr val="cccccc"/>
+                    </a:solidFill>
+                  </a:tcPr>
+                </a:tc>
+                <a:tc>
+                  <a:txBody>
+                    <a:bodyPr lIns="90000" rIns="90000">
+                      <a:noAutofit/>
+                    </a:bodyPr>
+                    <a:p>
+                      <a:pPr>
+                        <a:lnSpc>
+                          <a:spcPct val="100000"/>
+                        </a:lnSpc>
+                      </a:pPr>
+                      <a:r>
+                        <a:rPr b="0" lang="pt-BR" sz="1800" spc="-1" strike="noStrike">
+                          <a:latin typeface="Arial"/>
+                        </a:rPr>
+                        <a:t>Acc – 96%</a:t>
+                      </a:r>
+                      <a:endParaRPr b="0" lang="pt-BR" sz="1800" spc="-1" strike="noStrike">
+                        <a:latin typeface="Arial"/>
+                      </a:endParaRPr>
+                    </a:p>
+                    <a:p>
+                      <a:pPr>
+                        <a:lnSpc>
+                          <a:spcPct val="100000"/>
+                        </a:lnSpc>
+                      </a:pPr>
+                      <a:r>
+                        <a:rPr b="0" lang="pt-BR" sz="1800" spc="-1" strike="noStrike">
+                          <a:latin typeface="Arial"/>
+                        </a:rPr>
+                        <a:t>Prec – 74%</a:t>
+                      </a:r>
+                      <a:endParaRPr b="0" lang="pt-BR" sz="1800" spc="-1" strike="noStrike">
+                        <a:latin typeface="Arial"/>
+                      </a:endParaRPr>
+                    </a:p>
+                    <a:p>
+                      <a:pPr>
+                        <a:lnSpc>
+                          <a:spcPct val="100000"/>
+                        </a:lnSpc>
+                      </a:pPr>
+                      <a:r>
+                        <a:rPr b="0" lang="pt-BR" sz="1800" spc="-1" strike="noStrike">
+                          <a:latin typeface="Arial"/>
+                        </a:rPr>
+                        <a:t>Sen – 93%</a:t>
+                      </a:r>
+                      <a:endParaRPr b="0" lang="pt-BR" sz="1800" spc="-1" strike="noStrike">
+                        <a:latin typeface="Arial"/>
+                      </a:endParaRPr>
+                    </a:p>
+                  </a:txBody>
+                  <a:tcPr marL="90000" marR="90000">
+                    <a:lnL w="720">
+                      <a:solidFill>
+                        <a:srgbClr val="ffffff"/>
+                      </a:solidFill>
+                    </a:lnL>
+                    <a:lnR w="720">
+                      <a:solidFill>
+                        <a:srgbClr val="ffffff"/>
+                      </a:solidFill>
+                    </a:lnR>
+                    <a:lnT w="720">
+                      <a:solidFill>
+                        <a:srgbClr val="ffffff"/>
+                      </a:solidFill>
+                    </a:lnT>
+                    <a:lnB w="720">
+                      <a:solidFill>
+                        <a:srgbClr val="ffffff"/>
+                      </a:solidFill>
+                    </a:lnB>
+                    <a:solidFill>
+                      <a:srgbClr val="cccccc"/>
+                    </a:solidFill>
+                  </a:tcPr>
+                </a:tc>
+              </a:tr>
+            </a:tbl>
+          </a:graphicData>
+        </a:graphic>
+      </p:graphicFrame>
+    </p:spTree>
+  </p:cSld>
+  <mc:AlternateContent>
+    <mc:Choice Requires="p14">
+      <p:transition spd="slow" p14:dur="2000"/>
+    </mc:Choice>
+    <mc:Fallback>
+      <p:transition spd="slow"/>
+    </mc:Fallback>
+  </mc:AlternateContent>
+</p:sld>
+</file>
+
+<file path=ppt/slides/slide6.xml><?xml version="1.0" encoding="utf-8"?>
+<p:sld xmlns:a="http://schemas.openxmlformats.org/drawingml/2006/main" xmlns:p="http://schemas.openxmlformats.org/presentationml/2006/main" xmlns:r="http://schemas.openxmlformats.org/officeDocument/2006/relationships" xmlns:p14="http://schemas.microsoft.com/office/powerpoint/2010/main" xmlns:p15="http://schemas.microsoft.com/office/powerpoint/2012/main" xmlns:mc="http://schemas.openxmlformats.org/markup-compatibility/2006">
+  <p:cSld>
+    <p:spTree>
+      <p:nvGrpSpPr>
+        <p:cNvPr id="1" name=""/>
+        <p:cNvGrpSpPr/>
+        <p:nvPr/>
+      </p:nvGrpSpPr>
+      <p:grpSpPr>
+        <a:xfrm>
+          <a:off x="0" y="0"/>
+          <a:ext cx="0" cy="0"/>
+          <a:chOff x="0" y="0"/>
+          <a:chExt cx="0" cy="0"/>
+        </a:xfrm>
+      </p:grpSpPr>
+      <p:sp>
+        <p:nvSpPr>
+          <p:cNvPr id="49" name="CustomShape 1"/>
+          <p:cNvSpPr/>
+          <p:nvPr/>
+        </p:nvSpPr>
+        <p:spPr>
+          <a:xfrm>
+            <a:off x="360000" y="180000"/>
+            <a:ext cx="9358200" cy="344520"/>
+          </a:xfrm>
+          <a:prstGeom prst="rect">
+            <a:avLst/>
+          </a:prstGeom>
+          <a:noFill/>
+          <a:ln w="0">
+            <a:noFill/>
+          </a:ln>
+        </p:spPr>
+        <p:style>
+          <a:lnRef idx="0"/>
+          <a:fillRef idx="0"/>
+          <a:effectRef idx="0"/>
+          <a:fontRef idx="minor"/>
+        </p:style>
+        <p:txBody>
+          <a:bodyPr lIns="90000" rIns="90000" tIns="45000" bIns="45000">
+            <a:noAutofit/>
+          </a:bodyPr>
+          <a:p>
+            <a:pPr algn="ctr">
+              <a:lnSpc>
+                <a:spcPct val="100000"/>
+              </a:lnSpc>
+            </a:pPr>
+            <a:r>
+              <a:rPr b="0" lang="pt-BR" sz="1800" spc="-1" strike="noStrike">
+                <a:solidFill>
+                  <a:srgbClr val="000000"/>
+                </a:solidFill>
+                <a:latin typeface="Arial"/>
+                <a:ea typeface="DejaVu Sans"/>
+              </a:rPr>
+              <a:t>Segmentação de um texto jurídico em partes lógicas</a:t>
+            </a:r>
+            <a:endParaRPr b="0" lang="pt-BR" sz="1800" spc="-1" strike="noStrike">
+              <a:latin typeface="Arial"/>
+            </a:endParaRPr>
+          </a:p>
+        </p:txBody>
+      </p:sp>
+      <p:sp>
+        <p:nvSpPr>
+          <p:cNvPr id="50" name="CustomShape 2"/>
+          <p:cNvSpPr/>
+          <p:nvPr/>
+        </p:nvSpPr>
+        <p:spPr>
+          <a:xfrm>
+            <a:off x="540000" y="704520"/>
+            <a:ext cx="8998200" cy="3926160"/>
+          </a:xfrm>
+          <a:prstGeom prst="rect">
+            <a:avLst/>
+          </a:prstGeom>
+          <a:noFill/>
+          <a:ln w="0">
+            <a:noFill/>
+          </a:ln>
+        </p:spPr>
+        <p:style>
+          <a:lnRef idx="0"/>
+          <a:fillRef idx="0"/>
+          <a:effectRef idx="0"/>
+          <a:fontRef idx="minor"/>
+        </p:style>
+        <p:txBody>
+          <a:bodyPr lIns="90000" rIns="90000" tIns="45000" bIns="45000">
+            <a:noAutofit/>
+          </a:bodyPr>
+          <a:p>
+            <a:pPr>
+              <a:lnSpc>
+                <a:spcPct val="150000"/>
+              </a:lnSpc>
+            </a:pPr>
+            <a:r>
+              <a:rPr b="1" lang="pt-BR" sz="1800" spc="-1" strike="noStrike">
+                <a:solidFill>
+                  <a:srgbClr val="000000"/>
+                </a:solidFill>
+                <a:latin typeface="Arial"/>
+                <a:ea typeface="DejaVu Sans"/>
+              </a:rPr>
+              <a:t>Resultados da classificação com segmentação – 42k casos sem classe</a:t>
+            </a:r>
+            <a:endParaRPr b="0" lang="pt-BR" sz="1800" spc="-1" strike="noStrike">
+              <a:latin typeface="Arial"/>
+            </a:endParaRPr>
+          </a:p>
+          <a:p>
+            <a:pPr>
+              <a:lnSpc>
+                <a:spcPct val="150000"/>
+              </a:lnSpc>
+            </a:pPr>
+            <a:endParaRPr b="0" lang="pt-BR" sz="1800" spc="-1" strike="noStrike">
+              <a:latin typeface="Arial"/>
+            </a:endParaRPr>
+          </a:p>
+          <a:p>
+            <a:pPr>
+              <a:lnSpc>
+                <a:spcPct val="150000"/>
+              </a:lnSpc>
+            </a:pPr>
+            <a:endParaRPr b="0" lang="pt-BR" sz="1800" spc="-1" strike="noStrike">
+              <a:latin typeface="Arial"/>
+            </a:endParaRPr>
+          </a:p>
+        </p:txBody>
+      </p:sp>
+      <p:pic>
+        <p:nvPicPr>
+          <p:cNvPr id="51" name="" descr=""/>
+          <p:cNvPicPr/>
+          <p:nvPr/>
+        </p:nvPicPr>
+        <p:blipFill>
+          <a:blip r:embed="rId1"/>
+          <a:stretch/>
+        </p:blipFill>
+        <p:spPr>
+          <a:xfrm>
+            <a:off x="360000" y="2160000"/>
+            <a:ext cx="9488880" cy="2089800"/>
+          </a:xfrm>
+          <a:prstGeom prst="rect">
+            <a:avLst/>
+          </a:prstGeom>
+          <a:ln w="0">
+            <a:noFill/>
+          </a:ln>
+        </p:spPr>
+      </p:pic>
     </p:spTree>
   </p:cSld>
   <mc:AlternateContent>
